--- a/presentation.pptx
+++ b/presentation.pptx
@@ -11,8 +11,8 @@
     <p:sldId id="259" r:id="rId5"/>
     <p:sldId id="260" r:id="rId6"/>
     <p:sldId id="261" r:id="rId7"/>
-    <p:sldId id="262" r:id="rId8"/>
-    <p:sldId id="263" r:id="rId9"/>
+    <p:sldId id="263" r:id="rId8"/>
+    <p:sldId id="262" r:id="rId9"/>
   </p:sldIdLst>
   <p:sldSz cx="12192000" cy="6858000"/>
   <p:notesSz cx="6858000" cy="9144000"/>
@@ -111,6 +111,11 @@
       </a:defRPr>
     </a:lvl9pPr>
   </p:defaultTextStyle>
+  <p:extLst>
+    <p:ext uri="{EFAFB233-063F-42B5-8137-9DF3F51BA10A}">
+      <p15:sldGuideLst xmlns:p15="http://schemas.microsoft.com/office/powerpoint/2012/main"/>
+    </p:ext>
+  </p:extLst>
 </p:presentation>
 </file>
 
@@ -14650,7 +14655,7 @@
           <p:cNvPr id="2" name="Title 1">
             <a:extLst>
               <a:ext uri="{FF2B5EF4-FFF2-40B4-BE49-F238E27FC236}">
-                <a16:creationId xmlns:a16="http://schemas.microsoft.com/office/drawing/2014/main" id="{C28BE682-0F20-43A3-8DD1-B380D0D73FFD}"/>
+                <a16:creationId xmlns:a16="http://schemas.microsoft.com/office/drawing/2014/main" id="{760A6106-24A3-4F96-93A6-2C999A77D388}"/>
               </a:ext>
             </a:extLst>
           </p:cNvPr>
@@ -14668,7 +14673,7 @@
           <a:p>
             <a:r>
               <a:rPr lang="en-US" dirty="0"/>
-              <a:t>Resources</a:t>
+              <a:t>Examples of FUSE File Systems</a:t>
             </a:r>
           </a:p>
         </p:txBody>
@@ -14678,7 +14683,7 @@
           <p:cNvPr id="3" name="Content Placeholder 2">
             <a:extLst>
               <a:ext uri="{FF2B5EF4-FFF2-40B4-BE49-F238E27FC236}">
-                <a16:creationId xmlns:a16="http://schemas.microsoft.com/office/drawing/2014/main" id="{B4E42187-3E09-4241-830A-3385C81C6484}"/>
+                <a16:creationId xmlns:a16="http://schemas.microsoft.com/office/drawing/2014/main" id="{6F3BAAFA-48B7-4B80-8F11-EAC9B8454DD9}"/>
               </a:ext>
             </a:extLst>
           </p:cNvPr>
@@ -14695,16 +14700,20 @@
           <a:lstStyle/>
           <a:p>
             <a:r>
-              <a:rPr lang="en-US" dirty="0"/>
-              <a:t>https://github.com/libfuse/libfuse</a:t>
+              <a:rPr lang="en-US" dirty="0" err="1"/>
+              <a:t>WikipediaFS</a:t>
             </a:r>
+            <a:endParaRPr lang="en-US" dirty="0"/>
+          </a:p>
+          <a:p>
+            <a:endParaRPr lang="en-US" dirty="0"/>
           </a:p>
         </p:txBody>
       </p:sp>
     </p:spTree>
     <p:extLst>
       <p:ext uri="{BB962C8B-B14F-4D97-AF65-F5344CB8AC3E}">
-        <p14:creationId xmlns:p14="http://schemas.microsoft.com/office/powerpoint/2010/main" val="2928768904"/>
+        <p14:creationId xmlns:p14="http://schemas.microsoft.com/office/powerpoint/2010/main" val="4100026385"/>
       </p:ext>
     </p:extLst>
   </p:cSld>
@@ -14736,7 +14745,7 @@
           <p:cNvPr id="2" name="Title 1">
             <a:extLst>
               <a:ext uri="{FF2B5EF4-FFF2-40B4-BE49-F238E27FC236}">
-                <a16:creationId xmlns:a16="http://schemas.microsoft.com/office/drawing/2014/main" id="{760A6106-24A3-4F96-93A6-2C999A77D388}"/>
+                <a16:creationId xmlns:a16="http://schemas.microsoft.com/office/drawing/2014/main" id="{C28BE682-0F20-43A3-8DD1-B380D0D73FFD}"/>
               </a:ext>
             </a:extLst>
           </p:cNvPr>
@@ -14754,7 +14763,7 @@
           <a:p>
             <a:r>
               <a:rPr lang="en-US" dirty="0"/>
-              <a:t>Examples of FUSE File Systems</a:t>
+              <a:t>Resources</a:t>
             </a:r>
           </a:p>
         </p:txBody>
@@ -14764,7 +14773,7 @@
           <p:cNvPr id="3" name="Content Placeholder 2">
             <a:extLst>
               <a:ext uri="{FF2B5EF4-FFF2-40B4-BE49-F238E27FC236}">
-                <a16:creationId xmlns:a16="http://schemas.microsoft.com/office/drawing/2014/main" id="{6F3BAAFA-48B7-4B80-8F11-EAC9B8454DD9}"/>
+                <a16:creationId xmlns:a16="http://schemas.microsoft.com/office/drawing/2014/main" id="{B4E42187-3E09-4241-830A-3385C81C6484}"/>
               </a:ext>
             </a:extLst>
           </p:cNvPr>
@@ -14781,9 +14790,35 @@
           <a:lstStyle/>
           <a:p>
             <a:r>
-              <a:rPr lang="en-US" dirty="0" err="1"/>
-              <a:t>WikipediaFS</a:t>
+              <a:rPr lang="en-US" dirty="0">
+                <a:hlinkClick r:id="rId2"/>
+              </a:rPr>
+              <a:t>https://github.com/libfuse/libfuse</a:t>
             </a:r>
+            <a:endParaRPr lang="en-US" dirty="0"/>
+          </a:p>
+          <a:p>
+            <a:r>
+              <a:rPr lang="en-US" dirty="0">
+                <a:hlinkClick r:id="rId3"/>
+              </a:rPr>
+              <a:t>http://www.maastaar.net/fuse/</a:t>
+            </a:r>
+            <a:r>
+              <a:rPr lang="en-US" dirty="0" err="1">
+                <a:hlinkClick r:id="rId3"/>
+              </a:rPr>
+              <a:t>linux</a:t>
+            </a:r>
+            <a:r>
+              <a:rPr lang="en-US">
+                <a:hlinkClick r:id="rId3"/>
+              </a:rPr>
+              <a:t>/filesystem/c/2016/05/21/writing-a-simple-filesystem-using-fuse/</a:t>
+            </a:r>
+            <a:endParaRPr lang="en-US"/>
+          </a:p>
+          <a:p>
             <a:endParaRPr lang="en-US" dirty="0"/>
           </a:p>
         </p:txBody>
@@ -14791,7 +14826,7 @@
     </p:spTree>
     <p:extLst>
       <p:ext uri="{BB962C8B-B14F-4D97-AF65-F5344CB8AC3E}">
-        <p14:creationId xmlns:p14="http://schemas.microsoft.com/office/powerpoint/2010/main" val="4100026385"/>
+        <p14:creationId xmlns:p14="http://schemas.microsoft.com/office/powerpoint/2010/main" val="2928768904"/>
       </p:ext>
     </p:extLst>
   </p:cSld>
